--- a/presentation/examia_ppt.pptx
+++ b/presentation/examia_ppt.pptx
@@ -4,6 +4,9 @@
   <p:sldMasterIdLst>
     <p:sldMasterId id="2147484241" r:id="rId1"/>
   </p:sldMasterIdLst>
+  <p:notesMasterIdLst>
+    <p:notesMasterId r:id="rId17"/>
+  </p:notesMasterIdLst>
   <p:sldIdLst>
     <p:sldId id="276" r:id="rId2"/>
     <p:sldId id="257" r:id="rId3"/>
@@ -12,13 +15,14 @@
     <p:sldId id="262" r:id="rId6"/>
     <p:sldId id="277" r:id="rId7"/>
     <p:sldId id="278" r:id="rId8"/>
-    <p:sldId id="269" r:id="rId9"/>
-    <p:sldId id="270" r:id="rId10"/>
-    <p:sldId id="271" r:id="rId11"/>
-    <p:sldId id="273" r:id="rId12"/>
-    <p:sldId id="272" r:id="rId13"/>
-    <p:sldId id="268" r:id="rId14"/>
-    <p:sldId id="275" r:id="rId15"/>
+    <p:sldId id="279" r:id="rId9"/>
+    <p:sldId id="269" r:id="rId10"/>
+    <p:sldId id="270" r:id="rId11"/>
+    <p:sldId id="271" r:id="rId12"/>
+    <p:sldId id="273" r:id="rId13"/>
+    <p:sldId id="272" r:id="rId14"/>
+    <p:sldId id="268" r:id="rId15"/>
+    <p:sldId id="275" r:id="rId16"/>
   </p:sldIdLst>
   <p:sldSz cx="12192000" cy="6858000"/>
   <p:notesSz cx="9144000" cy="6858000"/>
@@ -136,6 +140,440 @@
 </p:presentation>
 </file>
 
+<file path=ppt/notesMasters/notesMaster1.xml><?xml version="1.0" encoding="utf-8"?>
+<p:notesMaster xmlns:a="http://schemas.openxmlformats.org/drawingml/2006/main" xmlns:r="http://schemas.openxmlformats.org/officeDocument/2006/relationships" xmlns:p="http://schemas.openxmlformats.org/presentationml/2006/main">
+  <p:cSld>
+    <p:bg>
+      <p:bgRef idx="1001">
+        <a:schemeClr val="bg1"/>
+      </p:bgRef>
+    </p:bg>
+    <p:spTree>
+      <p:nvGrpSpPr>
+        <p:cNvPr id="1" name=""/>
+        <p:cNvGrpSpPr/>
+        <p:nvPr/>
+      </p:nvGrpSpPr>
+      <p:grpSpPr>
+        <a:xfrm>
+          <a:off x="0" y="0"/>
+          <a:ext cx="0" cy="0"/>
+          <a:chOff x="0" y="0"/>
+          <a:chExt cx="0" cy="0"/>
+        </a:xfrm>
+      </p:grpSpPr>
+      <p:sp>
+        <p:nvSpPr>
+          <p:cNvPr id="2" name="Header Placeholder 1"/>
+          <p:cNvSpPr>
+            <a:spLocks noGrp="1"/>
+          </p:cNvSpPr>
+          <p:nvPr>
+            <p:ph type="hdr" sz="quarter"/>
+          </p:nvPr>
+        </p:nvSpPr>
+        <p:spPr>
+          <a:xfrm>
+            <a:off x="0" y="0"/>
+            <a:ext cx="3962400" cy="344488"/>
+          </a:xfrm>
+          <a:prstGeom prst="rect">
+            <a:avLst/>
+          </a:prstGeom>
+        </p:spPr>
+        <p:txBody>
+          <a:bodyPr vert="horz" lIns="91440" tIns="45720" rIns="91440" bIns="45720" rtlCol="0"/>
+          <a:lstStyle>
+            <a:lvl1pPr algn="l">
+              <a:defRPr sz="1200"/>
+            </a:lvl1pPr>
+          </a:lstStyle>
+          <a:p>
+            <a:endParaRPr lang="en-US"/>
+          </a:p>
+        </p:txBody>
+      </p:sp>
+      <p:sp>
+        <p:nvSpPr>
+          <p:cNvPr id="3" name="Date Placeholder 2"/>
+          <p:cNvSpPr>
+            <a:spLocks noGrp="1"/>
+          </p:cNvSpPr>
+          <p:nvPr>
+            <p:ph type="dt" idx="1"/>
+          </p:nvPr>
+        </p:nvSpPr>
+        <p:spPr>
+          <a:xfrm>
+            <a:off x="5180013" y="0"/>
+            <a:ext cx="3962400" cy="344488"/>
+          </a:xfrm>
+          <a:prstGeom prst="rect">
+            <a:avLst/>
+          </a:prstGeom>
+        </p:spPr>
+        <p:txBody>
+          <a:bodyPr vert="horz" lIns="91440" tIns="45720" rIns="91440" bIns="45720" rtlCol="0"/>
+          <a:lstStyle>
+            <a:lvl1pPr algn="r">
+              <a:defRPr sz="1200"/>
+            </a:lvl1pPr>
+          </a:lstStyle>
+          <a:p>
+            <a:fld id="{8ADB9A44-877A-49F5-BB2F-9069A3C73E56}" type="datetimeFigureOut">
+              <a:rPr lang="en-US" smtClean="0"/>
+              <a:t>6/3/2021</a:t>
+            </a:fld>
+            <a:endParaRPr lang="en-US"/>
+          </a:p>
+        </p:txBody>
+      </p:sp>
+      <p:sp>
+        <p:nvSpPr>
+          <p:cNvPr id="4" name="Slide Image Placeholder 3"/>
+          <p:cNvSpPr>
+            <a:spLocks noGrp="1" noRot="1" noChangeAspect="1"/>
+          </p:cNvSpPr>
+          <p:nvPr>
+            <p:ph type="sldImg" idx="2"/>
+          </p:nvPr>
+        </p:nvSpPr>
+        <p:spPr>
+          <a:xfrm>
+            <a:off x="2514600" y="857250"/>
+            <a:ext cx="4114800" cy="2314575"/>
+          </a:xfrm>
+          <a:prstGeom prst="rect">
+            <a:avLst/>
+          </a:prstGeom>
+          <a:noFill/>
+          <a:ln w="12700">
+            <a:solidFill>
+              <a:prstClr val="black"/>
+            </a:solidFill>
+          </a:ln>
+        </p:spPr>
+        <p:txBody>
+          <a:bodyPr vert="horz" lIns="91440" tIns="45720" rIns="91440" bIns="45720" rtlCol="0" anchor="ctr"/>
+          <a:lstStyle/>
+          <a:p>
+            <a:endParaRPr lang="en-US"/>
+          </a:p>
+        </p:txBody>
+      </p:sp>
+      <p:sp>
+        <p:nvSpPr>
+          <p:cNvPr id="5" name="Notes Placeholder 4"/>
+          <p:cNvSpPr>
+            <a:spLocks noGrp="1"/>
+          </p:cNvSpPr>
+          <p:nvPr>
+            <p:ph type="body" sz="quarter" idx="3"/>
+          </p:nvPr>
+        </p:nvSpPr>
+        <p:spPr>
+          <a:xfrm>
+            <a:off x="914400" y="3300413"/>
+            <a:ext cx="7315200" cy="2700337"/>
+          </a:xfrm>
+          <a:prstGeom prst="rect">
+            <a:avLst/>
+          </a:prstGeom>
+        </p:spPr>
+        <p:txBody>
+          <a:bodyPr vert="horz" lIns="91440" tIns="45720" rIns="91440" bIns="45720" rtlCol="0"/>
+          <a:lstStyle/>
+          <a:p>
+            <a:pPr lvl="0"/>
+            <a:r>
+              <a:rPr lang="en-US" smtClean="0"/>
+              <a:t>Edit Master text styles</a:t>
+            </a:r>
+          </a:p>
+          <a:p>
+            <a:pPr lvl="1"/>
+            <a:r>
+              <a:rPr lang="en-US" smtClean="0"/>
+              <a:t>Second level</a:t>
+            </a:r>
+          </a:p>
+          <a:p>
+            <a:pPr lvl="2"/>
+            <a:r>
+              <a:rPr lang="en-US" smtClean="0"/>
+              <a:t>Third level</a:t>
+            </a:r>
+          </a:p>
+          <a:p>
+            <a:pPr lvl="3"/>
+            <a:r>
+              <a:rPr lang="en-US" smtClean="0"/>
+              <a:t>Fourth level</a:t>
+            </a:r>
+          </a:p>
+          <a:p>
+            <a:pPr lvl="4"/>
+            <a:r>
+              <a:rPr lang="en-US" smtClean="0"/>
+              <a:t>Fifth level</a:t>
+            </a:r>
+            <a:endParaRPr lang="en-US"/>
+          </a:p>
+        </p:txBody>
+      </p:sp>
+      <p:sp>
+        <p:nvSpPr>
+          <p:cNvPr id="6" name="Footer Placeholder 5"/>
+          <p:cNvSpPr>
+            <a:spLocks noGrp="1"/>
+          </p:cNvSpPr>
+          <p:nvPr>
+            <p:ph type="ftr" sz="quarter" idx="4"/>
+          </p:nvPr>
+        </p:nvSpPr>
+        <p:spPr>
+          <a:xfrm>
+            <a:off x="0" y="6513513"/>
+            <a:ext cx="3962400" cy="344487"/>
+          </a:xfrm>
+          <a:prstGeom prst="rect">
+            <a:avLst/>
+          </a:prstGeom>
+        </p:spPr>
+        <p:txBody>
+          <a:bodyPr vert="horz" lIns="91440" tIns="45720" rIns="91440" bIns="45720" rtlCol="0" anchor="b"/>
+          <a:lstStyle>
+            <a:lvl1pPr algn="l">
+              <a:defRPr sz="1200"/>
+            </a:lvl1pPr>
+          </a:lstStyle>
+          <a:p>
+            <a:endParaRPr lang="en-US"/>
+          </a:p>
+        </p:txBody>
+      </p:sp>
+      <p:sp>
+        <p:nvSpPr>
+          <p:cNvPr id="7" name="Slide Number Placeholder 6"/>
+          <p:cNvSpPr>
+            <a:spLocks noGrp="1"/>
+          </p:cNvSpPr>
+          <p:nvPr>
+            <p:ph type="sldNum" sz="quarter" idx="5"/>
+          </p:nvPr>
+        </p:nvSpPr>
+        <p:spPr>
+          <a:xfrm>
+            <a:off x="5180013" y="6513513"/>
+            <a:ext cx="3962400" cy="344487"/>
+          </a:xfrm>
+          <a:prstGeom prst="rect">
+            <a:avLst/>
+          </a:prstGeom>
+        </p:spPr>
+        <p:txBody>
+          <a:bodyPr vert="horz" lIns="91440" tIns="45720" rIns="91440" bIns="45720" rtlCol="0" anchor="b"/>
+          <a:lstStyle>
+            <a:lvl1pPr algn="r">
+              <a:defRPr sz="1200"/>
+            </a:lvl1pPr>
+          </a:lstStyle>
+          <a:p>
+            <a:fld id="{F11CB89A-1A8A-43AF-8990-2F1F9F60F7D8}" type="slidenum">
+              <a:rPr lang="en-US" smtClean="0"/>
+              <a:t>‹#›</a:t>
+            </a:fld>
+            <a:endParaRPr lang="en-US"/>
+          </a:p>
+        </p:txBody>
+      </p:sp>
+    </p:spTree>
+    <p:extLst>
+      <p:ext uri="{BB962C8B-B14F-4D97-AF65-F5344CB8AC3E}">
+        <p14:creationId xmlns:p14="http://schemas.microsoft.com/office/powerpoint/2010/main" val="3781088064"/>
+      </p:ext>
+    </p:extLst>
+  </p:cSld>
+  <p:clrMap bg1="lt1" tx1="dk1" bg2="lt2" tx2="dk2" accent1="accent1" accent2="accent2" accent3="accent3" accent4="accent4" accent5="accent5" accent6="accent6" hlink="hlink" folHlink="folHlink"/>
+  <p:notesStyle>
+    <a:lvl1pPr marL="0" algn="l" defTabSz="914400" rtl="0" eaLnBrk="1" latinLnBrk="0" hangingPunct="1">
+      <a:defRPr sz="1200" kern="1200">
+        <a:solidFill>
+          <a:schemeClr val="tx1"/>
+        </a:solidFill>
+        <a:latin typeface="+mn-lt"/>
+        <a:ea typeface="+mn-ea"/>
+        <a:cs typeface="+mn-cs"/>
+      </a:defRPr>
+    </a:lvl1pPr>
+    <a:lvl2pPr marL="457200" algn="l" defTabSz="914400" rtl="0" eaLnBrk="1" latinLnBrk="0" hangingPunct="1">
+      <a:defRPr sz="1200" kern="1200">
+        <a:solidFill>
+          <a:schemeClr val="tx1"/>
+        </a:solidFill>
+        <a:latin typeface="+mn-lt"/>
+        <a:ea typeface="+mn-ea"/>
+        <a:cs typeface="+mn-cs"/>
+      </a:defRPr>
+    </a:lvl2pPr>
+    <a:lvl3pPr marL="914400" algn="l" defTabSz="914400" rtl="0" eaLnBrk="1" latinLnBrk="0" hangingPunct="1">
+      <a:defRPr sz="1200" kern="1200">
+        <a:solidFill>
+          <a:schemeClr val="tx1"/>
+        </a:solidFill>
+        <a:latin typeface="+mn-lt"/>
+        <a:ea typeface="+mn-ea"/>
+        <a:cs typeface="+mn-cs"/>
+      </a:defRPr>
+    </a:lvl3pPr>
+    <a:lvl4pPr marL="1371600" algn="l" defTabSz="914400" rtl="0" eaLnBrk="1" latinLnBrk="0" hangingPunct="1">
+      <a:defRPr sz="1200" kern="1200">
+        <a:solidFill>
+          <a:schemeClr val="tx1"/>
+        </a:solidFill>
+        <a:latin typeface="+mn-lt"/>
+        <a:ea typeface="+mn-ea"/>
+        <a:cs typeface="+mn-cs"/>
+      </a:defRPr>
+    </a:lvl4pPr>
+    <a:lvl5pPr marL="1828800" algn="l" defTabSz="914400" rtl="0" eaLnBrk="1" latinLnBrk="0" hangingPunct="1">
+      <a:defRPr sz="1200" kern="1200">
+        <a:solidFill>
+          <a:schemeClr val="tx1"/>
+        </a:solidFill>
+        <a:latin typeface="+mn-lt"/>
+        <a:ea typeface="+mn-ea"/>
+        <a:cs typeface="+mn-cs"/>
+      </a:defRPr>
+    </a:lvl5pPr>
+    <a:lvl6pPr marL="2286000" algn="l" defTabSz="914400" rtl="0" eaLnBrk="1" latinLnBrk="0" hangingPunct="1">
+      <a:defRPr sz="1200" kern="1200">
+        <a:solidFill>
+          <a:schemeClr val="tx1"/>
+        </a:solidFill>
+        <a:latin typeface="+mn-lt"/>
+        <a:ea typeface="+mn-ea"/>
+        <a:cs typeface="+mn-cs"/>
+      </a:defRPr>
+    </a:lvl6pPr>
+    <a:lvl7pPr marL="2743200" algn="l" defTabSz="914400" rtl="0" eaLnBrk="1" latinLnBrk="0" hangingPunct="1">
+      <a:defRPr sz="1200" kern="1200">
+        <a:solidFill>
+          <a:schemeClr val="tx1"/>
+        </a:solidFill>
+        <a:latin typeface="+mn-lt"/>
+        <a:ea typeface="+mn-ea"/>
+        <a:cs typeface="+mn-cs"/>
+      </a:defRPr>
+    </a:lvl7pPr>
+    <a:lvl8pPr marL="3200400" algn="l" defTabSz="914400" rtl="0" eaLnBrk="1" latinLnBrk="0" hangingPunct="1">
+      <a:defRPr sz="1200" kern="1200">
+        <a:solidFill>
+          <a:schemeClr val="tx1"/>
+        </a:solidFill>
+        <a:latin typeface="+mn-lt"/>
+        <a:ea typeface="+mn-ea"/>
+        <a:cs typeface="+mn-cs"/>
+      </a:defRPr>
+    </a:lvl8pPr>
+    <a:lvl9pPr marL="3657600" algn="l" defTabSz="914400" rtl="0" eaLnBrk="1" latinLnBrk="0" hangingPunct="1">
+      <a:defRPr sz="1200" kern="1200">
+        <a:solidFill>
+          <a:schemeClr val="tx1"/>
+        </a:solidFill>
+        <a:latin typeface="+mn-lt"/>
+        <a:ea typeface="+mn-ea"/>
+        <a:cs typeface="+mn-cs"/>
+      </a:defRPr>
+    </a:lvl9pPr>
+  </p:notesStyle>
+</p:notesMaster>
+</file>
+
+<file path=ppt/notesSlides/notesSlide1.xml><?xml version="1.0" encoding="utf-8"?>
+<p:notes xmlns:a="http://schemas.openxmlformats.org/drawingml/2006/main" xmlns:r="http://schemas.openxmlformats.org/officeDocument/2006/relationships" xmlns:p="http://schemas.openxmlformats.org/presentationml/2006/main">
+  <p:cSld>
+    <p:spTree>
+      <p:nvGrpSpPr>
+        <p:cNvPr id="1" name=""/>
+        <p:cNvGrpSpPr/>
+        <p:nvPr/>
+      </p:nvGrpSpPr>
+      <p:grpSpPr>
+        <a:xfrm>
+          <a:off x="0" y="0"/>
+          <a:ext cx="0" cy="0"/>
+          <a:chOff x="0" y="0"/>
+          <a:chExt cx="0" cy="0"/>
+        </a:xfrm>
+      </p:grpSpPr>
+      <p:sp>
+        <p:nvSpPr>
+          <p:cNvPr id="2" name="Slide Image Placeholder 1"/>
+          <p:cNvSpPr>
+            <a:spLocks noGrp="1" noRot="1" noChangeAspect="1"/>
+          </p:cNvSpPr>
+          <p:nvPr>
+            <p:ph type="sldImg"/>
+          </p:nvPr>
+        </p:nvSpPr>
+        <p:spPr/>
+      </p:sp>
+      <p:sp>
+        <p:nvSpPr>
+          <p:cNvPr id="3" name="Notes Placeholder 2"/>
+          <p:cNvSpPr>
+            <a:spLocks noGrp="1"/>
+          </p:cNvSpPr>
+          <p:nvPr>
+            <p:ph type="body" idx="1"/>
+          </p:nvPr>
+        </p:nvSpPr>
+        <p:spPr/>
+        <p:txBody>
+          <a:bodyPr/>
+          <a:lstStyle/>
+          <a:p>
+            <a:endParaRPr lang="en-US" dirty="0"/>
+          </a:p>
+        </p:txBody>
+      </p:sp>
+      <p:sp>
+        <p:nvSpPr>
+          <p:cNvPr id="4" name="Slide Number Placeholder 3"/>
+          <p:cNvSpPr>
+            <a:spLocks noGrp="1"/>
+          </p:cNvSpPr>
+          <p:nvPr>
+            <p:ph type="sldNum" sz="quarter" idx="10"/>
+          </p:nvPr>
+        </p:nvSpPr>
+        <p:spPr/>
+        <p:txBody>
+          <a:bodyPr/>
+          <a:lstStyle/>
+          <a:p>
+            <a:fld id="{F11CB89A-1A8A-43AF-8990-2F1F9F60F7D8}" type="slidenum">
+              <a:rPr lang="en-US" smtClean="0"/>
+              <a:t>8</a:t>
+            </a:fld>
+            <a:endParaRPr lang="en-US"/>
+          </a:p>
+        </p:txBody>
+      </p:sp>
+    </p:spTree>
+    <p:extLst>
+      <p:ext uri="{BB962C8B-B14F-4D97-AF65-F5344CB8AC3E}">
+        <p14:creationId xmlns:p14="http://schemas.microsoft.com/office/powerpoint/2010/main" val="409932708"/>
+      </p:ext>
+    </p:extLst>
+  </p:cSld>
+  <p:clrMapOvr>
+    <a:masterClrMapping/>
+  </p:clrMapOvr>
+</p:notes>
+</file>
+
 <file path=ppt/slideLayouts/slideLayout1.xml><?xml version="1.0" encoding="utf-8"?>
 <p:sldLayout xmlns:a="http://schemas.openxmlformats.org/drawingml/2006/main" xmlns:r="http://schemas.openxmlformats.org/officeDocument/2006/relationships" xmlns:p="http://schemas.openxmlformats.org/presentationml/2006/main" type="title" preserve="1">
   <p:cSld name="Title Slide">
@@ -324,7 +762,7 @@
           <a:p>
             <a:fld id="{1D8BD707-D9CF-40AE-B4C6-C98DA3205C09}" type="datetimeFigureOut">
               <a:rPr lang="en-US" smtClean="0"/>
-              <a:t>6/2/2021</a:t>
+              <a:t>6/3/2021</a:t>
             </a:fld>
             <a:endParaRPr lang="en-US"/>
           </a:p>
@@ -662,7 +1100,7 @@
           <a:p>
             <a:fld id="{1D8BD707-D9CF-40AE-B4C6-C98DA3205C09}" type="datetimeFigureOut">
               <a:rPr lang="en-US" smtClean="0"/>
-              <a:t>6/2/2021</a:t>
+              <a:t>6/3/2021</a:t>
             </a:fld>
             <a:endParaRPr lang="en-US"/>
           </a:p>
@@ -1063,7 +1501,7 @@
           <a:p>
             <a:fld id="{1D8BD707-D9CF-40AE-B4C6-C98DA3205C09}" type="datetimeFigureOut">
               <a:rPr lang="en-US" smtClean="0"/>
-              <a:t>6/2/2021</a:t>
+              <a:t>6/3/2021</a:t>
             </a:fld>
             <a:endParaRPr lang="en-US"/>
           </a:p>
@@ -1399,7 +1837,7 @@
           <a:p>
             <a:fld id="{1D8BD707-D9CF-40AE-B4C6-C98DA3205C09}" type="datetimeFigureOut">
               <a:rPr lang="en-US" smtClean="0"/>
-              <a:t>6/2/2021</a:t>
+              <a:t>6/3/2021</a:t>
             </a:fld>
             <a:endParaRPr lang="en-US"/>
           </a:p>
@@ -1719,7 +2157,7 @@
           <a:p>
             <a:fld id="{1D8BD707-D9CF-40AE-B4C6-C98DA3205C09}" type="datetimeFigureOut">
               <a:rPr lang="en-US" smtClean="0"/>
-              <a:t>6/2/2021</a:t>
+              <a:t>6/3/2021</a:t>
             </a:fld>
             <a:endParaRPr lang="en-US"/>
           </a:p>
@@ -2115,7 +2553,7 @@
           <a:p>
             <a:fld id="{1D8BD707-D9CF-40AE-B4C6-C98DA3205C09}" type="datetimeFigureOut">
               <a:rPr lang="en-US" smtClean="0"/>
-              <a:t>6/2/2021</a:t>
+              <a:t>6/3/2021</a:t>
             </a:fld>
             <a:endParaRPr lang="en-US"/>
           </a:p>
@@ -2372,7 +2810,7 @@
           <a:p>
             <a:fld id="{1D8BD707-D9CF-40AE-B4C6-C98DA3205C09}" type="datetimeFigureOut">
               <a:rPr lang="en-US" smtClean="0"/>
-              <a:t>6/2/2021</a:t>
+              <a:t>6/3/2021</a:t>
             </a:fld>
             <a:endParaRPr lang="en-US"/>
           </a:p>
@@ -2634,7 +3072,7 @@
           <a:p>
             <a:fld id="{1D8BD707-D9CF-40AE-B4C6-C98DA3205C09}" type="datetimeFigureOut">
               <a:rPr lang="en-US" smtClean="0"/>
-              <a:t>6/2/2021</a:t>
+              <a:t>6/3/2021</a:t>
             </a:fld>
             <a:endParaRPr lang="en-US"/>
           </a:p>
@@ -2896,7 +3334,7 @@
           <a:p>
             <a:fld id="{1D8BD707-D9CF-40AE-B4C6-C98DA3205C09}" type="datetimeFigureOut">
               <a:rPr lang="en-US" smtClean="0"/>
-              <a:t>6/2/2021</a:t>
+              <a:t>6/3/2021</a:t>
             </a:fld>
             <a:endParaRPr lang="en-US"/>
           </a:p>
@@ -3225,7 +3663,7 @@
           <a:p>
             <a:fld id="{1D8BD707-D9CF-40AE-B4C6-C98DA3205C09}" type="datetimeFigureOut">
               <a:rPr lang="en-US" smtClean="0"/>
-              <a:t>6/2/2021</a:t>
+              <a:t>6/3/2021</a:t>
             </a:fld>
             <a:endParaRPr lang="en-US"/>
           </a:p>
@@ -3548,7 +3986,7 @@
           <a:p>
             <a:fld id="{1D8BD707-D9CF-40AE-B4C6-C98DA3205C09}" type="datetimeFigureOut">
               <a:rPr lang="en-US" smtClean="0"/>
-              <a:t>6/2/2021</a:t>
+              <a:t>6/3/2021</a:t>
             </a:fld>
             <a:endParaRPr lang="en-US"/>
           </a:p>
@@ -4005,7 +4443,7 @@
           <a:p>
             <a:fld id="{1D8BD707-D9CF-40AE-B4C6-C98DA3205C09}" type="datetimeFigureOut">
               <a:rPr lang="en-US" smtClean="0"/>
-              <a:t>6/2/2021</a:t>
+              <a:t>6/3/2021</a:t>
             </a:fld>
             <a:endParaRPr lang="en-US"/>
           </a:p>
@@ -4210,7 +4648,7 @@
           <a:p>
             <a:fld id="{1D8BD707-D9CF-40AE-B4C6-C98DA3205C09}" type="datetimeFigureOut">
               <a:rPr lang="en-US" smtClean="0"/>
-              <a:t>6/2/2021</a:t>
+              <a:t>6/3/2021</a:t>
             </a:fld>
             <a:endParaRPr lang="en-US"/>
           </a:p>
@@ -4387,7 +4825,7 @@
           <a:p>
             <a:fld id="{1D8BD707-D9CF-40AE-B4C6-C98DA3205C09}" type="datetimeFigureOut">
               <a:rPr lang="en-US" smtClean="0"/>
-              <a:t>6/2/2021</a:t>
+              <a:t>6/3/2021</a:t>
             </a:fld>
             <a:endParaRPr lang="en-US"/>
           </a:p>
@@ -4720,7 +5158,7 @@
           <a:p>
             <a:fld id="{1D8BD707-D9CF-40AE-B4C6-C98DA3205C09}" type="datetimeFigureOut">
               <a:rPr lang="en-US" smtClean="0"/>
-              <a:t>6/2/2021</a:t>
+              <a:t>6/3/2021</a:t>
             </a:fld>
             <a:endParaRPr lang="en-US"/>
           </a:p>
@@ -5065,7 +5503,7 @@
           <a:p>
             <a:fld id="{1D8BD707-D9CF-40AE-B4C6-C98DA3205C09}" type="datetimeFigureOut">
               <a:rPr lang="en-US" smtClean="0"/>
-              <a:t>6/2/2021</a:t>
+              <a:t>6/3/2021</a:t>
             </a:fld>
             <a:endParaRPr lang="en-US"/>
           </a:p>
@@ -7182,7 +7620,7 @@
           <a:p>
             <a:fld id="{1D8BD707-D9CF-40AE-B4C6-C98DA3205C09}" type="datetimeFigureOut">
               <a:rPr lang="en-US" smtClean="0"/>
-              <a:t>6/2/2021</a:t>
+              <a:t>6/3/2021</a:t>
             </a:fld>
             <a:endParaRPr lang="en-US"/>
           </a:p>
@@ -7797,6 +8235,272 @@
         </p:nvSpPr>
         <p:spPr>
           <a:xfrm>
+            <a:off x="6627300" y="601276"/>
+            <a:ext cx="5107499" cy="473848"/>
+          </a:xfrm>
+          <a:prstGeom prst="rect">
+            <a:avLst/>
+          </a:prstGeom>
+        </p:spPr>
+        <p:txBody>
+          <a:bodyPr vert="horz" wrap="square" lIns="0" tIns="12065" rIns="0" bIns="0" rtlCol="0" anchor="t">
+            <a:spAutoFit/>
+          </a:bodyPr>
+          <a:lstStyle/>
+          <a:p>
+            <a:pPr marL="12700" algn="ctr">
+              <a:spcBef>
+                <a:spcPts val="95"/>
+              </a:spcBef>
+            </a:pPr>
+            <a:r>
+              <a:rPr lang="en-US" sz="3000" spc="-20" dirty="0" smtClean="0">
+                <a:solidFill>
+                  <a:schemeClr val="accent2"/>
+                </a:solidFill>
+                <a:latin typeface="Calibri" panose="020F0502020204030204" pitchFamily="34" charset="0"/>
+                <a:cs typeface="Calibri" panose="020F0502020204030204" pitchFamily="34" charset="0"/>
+              </a:rPr>
+              <a:t>Add departments</a:t>
+            </a:r>
+            <a:endParaRPr sz="3000" spc="-15" dirty="0">
+              <a:solidFill>
+                <a:schemeClr val="accent2"/>
+              </a:solidFill>
+              <a:latin typeface="Calibri" panose="020F0502020204030204" pitchFamily="34" charset="0"/>
+              <a:cs typeface="Calibri" panose="020F0502020204030204" pitchFamily="34" charset="0"/>
+            </a:endParaRPr>
+          </a:p>
+        </p:txBody>
+      </p:sp>
+      <p:pic>
+        <p:nvPicPr>
+          <p:cNvPr id="3" name="Picture 2"/>
+          <p:cNvPicPr>
+            <a:picLocks noChangeAspect="1"/>
+          </p:cNvPicPr>
+          <p:nvPr/>
+        </p:nvPicPr>
+        <p:blipFill rotWithShape="1">
+          <a:blip r:embed="rId2">
+            <a:extLst>
+              <a:ext uri="{28A0092B-C50C-407E-A947-70E740481C1C}">
+                <a14:useLocalDpi xmlns:a14="http://schemas.microsoft.com/office/drawing/2010/main" val="0"/>
+              </a:ext>
+            </a:extLst>
+          </a:blip>
+          <a:srcRect l="27060" r="25419"/>
+          <a:stretch/>
+        </p:blipFill>
+        <p:spPr>
+          <a:xfrm>
+            <a:off x="609600" y="1143000"/>
+            <a:ext cx="5486401" cy="5327650"/>
+          </a:xfrm>
+          <a:prstGeom prst="rect">
+            <a:avLst/>
+          </a:prstGeom>
+        </p:spPr>
+      </p:pic>
+      <p:sp>
+        <p:nvSpPr>
+          <p:cNvPr id="5" name="object 2"/>
+          <p:cNvSpPr txBox="1">
+            <a:spLocks/>
+          </p:cNvSpPr>
+          <p:nvPr/>
+        </p:nvSpPr>
+        <p:spPr>
+          <a:xfrm>
+            <a:off x="609600" y="533400"/>
+            <a:ext cx="5486401" cy="473848"/>
+          </a:xfrm>
+          <a:prstGeom prst="rect">
+            <a:avLst/>
+          </a:prstGeom>
+        </p:spPr>
+        <p:txBody>
+          <a:bodyPr vert="horz" wrap="square" lIns="0" tIns="12065" rIns="0" bIns="0" rtlCol="0" anchor="t">
+            <a:spAutoFit/>
+          </a:bodyPr>
+          <a:lstStyle>
+            <a:lvl1pPr algn="l" defTabSz="457200" rtl="0" eaLnBrk="1" latinLnBrk="0" hangingPunct="1">
+              <a:spcBef>
+                <a:spcPct val="0"/>
+              </a:spcBef>
+              <a:buNone/>
+              <a:defRPr sz="3600" kern="1200">
+                <a:solidFill>
+                  <a:schemeClr val="accent2">
+                    <a:lumMod val="75000"/>
+                  </a:schemeClr>
+                </a:solidFill>
+                <a:latin typeface="+mj-lt"/>
+                <a:ea typeface="+mj-ea"/>
+                <a:cs typeface="+mj-cs"/>
+              </a:defRPr>
+            </a:lvl1pPr>
+            <a:lvl2pPr eaLnBrk="1" hangingPunct="1">
+              <a:defRPr>
+                <a:solidFill>
+                  <a:schemeClr val="tx2"/>
+                </a:solidFill>
+              </a:defRPr>
+            </a:lvl2pPr>
+            <a:lvl3pPr eaLnBrk="1" hangingPunct="1">
+              <a:defRPr>
+                <a:solidFill>
+                  <a:schemeClr val="tx2"/>
+                </a:solidFill>
+              </a:defRPr>
+            </a:lvl3pPr>
+            <a:lvl4pPr eaLnBrk="1" hangingPunct="1">
+              <a:defRPr>
+                <a:solidFill>
+                  <a:schemeClr val="tx2"/>
+                </a:solidFill>
+              </a:defRPr>
+            </a:lvl4pPr>
+            <a:lvl5pPr eaLnBrk="1" hangingPunct="1">
+              <a:defRPr>
+                <a:solidFill>
+                  <a:schemeClr val="tx2"/>
+                </a:solidFill>
+              </a:defRPr>
+            </a:lvl5pPr>
+            <a:lvl6pPr eaLnBrk="1" hangingPunct="1">
+              <a:defRPr>
+                <a:solidFill>
+                  <a:schemeClr val="tx2"/>
+                </a:solidFill>
+              </a:defRPr>
+            </a:lvl6pPr>
+            <a:lvl7pPr eaLnBrk="1" hangingPunct="1">
+              <a:defRPr>
+                <a:solidFill>
+                  <a:schemeClr val="tx2"/>
+                </a:solidFill>
+              </a:defRPr>
+            </a:lvl7pPr>
+            <a:lvl8pPr eaLnBrk="1" hangingPunct="1">
+              <a:defRPr>
+                <a:solidFill>
+                  <a:schemeClr val="tx2"/>
+                </a:solidFill>
+              </a:defRPr>
+            </a:lvl8pPr>
+            <a:lvl9pPr eaLnBrk="1" hangingPunct="1">
+              <a:defRPr>
+                <a:solidFill>
+                  <a:schemeClr val="tx2"/>
+                </a:solidFill>
+              </a:defRPr>
+            </a:lvl9pPr>
+          </a:lstStyle>
+          <a:p>
+            <a:pPr marL="12700" algn="ctr">
+              <a:spcBef>
+                <a:spcPts val="95"/>
+              </a:spcBef>
+            </a:pPr>
+            <a:r>
+              <a:rPr lang="en-US" sz="3000" spc="-20" dirty="0" smtClean="0">
+                <a:solidFill>
+                  <a:schemeClr val="accent2"/>
+                </a:solidFill>
+                <a:latin typeface="Calibri" panose="020F0502020204030204" pitchFamily="34" charset="0"/>
+                <a:cs typeface="Calibri" panose="020F0502020204030204" pitchFamily="34" charset="0"/>
+              </a:rPr>
+              <a:t>Add subjects</a:t>
+            </a:r>
+            <a:endParaRPr lang="en-US" sz="3000" spc="-15" dirty="0">
+              <a:solidFill>
+                <a:schemeClr val="accent2"/>
+              </a:solidFill>
+              <a:latin typeface="Calibri" panose="020F0502020204030204" pitchFamily="34" charset="0"/>
+              <a:cs typeface="Calibri" panose="020F0502020204030204" pitchFamily="34" charset="0"/>
+            </a:endParaRPr>
+          </a:p>
+        </p:txBody>
+      </p:sp>
+      <p:pic>
+        <p:nvPicPr>
+          <p:cNvPr id="6" name="Picture 5"/>
+          <p:cNvPicPr>
+            <a:picLocks noChangeAspect="1"/>
+          </p:cNvPicPr>
+          <p:nvPr/>
+        </p:nvPicPr>
+        <p:blipFill rotWithShape="1">
+          <a:blip r:embed="rId3">
+            <a:extLst>
+              <a:ext uri="{28A0092B-C50C-407E-A947-70E740481C1C}">
+                <a14:useLocalDpi xmlns:a14="http://schemas.microsoft.com/office/drawing/2010/main" val="0"/>
+              </a:ext>
+            </a:extLst>
+          </a:blip>
+          <a:srcRect l="28031" r="28030"/>
+          <a:stretch/>
+        </p:blipFill>
+        <p:spPr>
+          <a:xfrm>
+            <a:off x="6627301" y="1143000"/>
+            <a:ext cx="5107499" cy="5327650"/>
+          </a:xfrm>
+          <a:prstGeom prst="rect">
+            <a:avLst/>
+          </a:prstGeom>
+        </p:spPr>
+      </p:pic>
+    </p:spTree>
+    <p:extLst>
+      <p:ext uri="{BB962C8B-B14F-4D97-AF65-F5344CB8AC3E}">
+        <p14:creationId xmlns:p14="http://schemas.microsoft.com/office/powerpoint/2010/main" val="2357818156"/>
+      </p:ext>
+    </p:extLst>
+  </p:cSld>
+  <p:clrMapOvr>
+    <a:masterClrMapping/>
+  </p:clrMapOvr>
+  <p:timing>
+    <p:tnLst>
+      <p:par>
+        <p:cTn id="1" dur="indefinite" restart="never" nodeType="tmRoot"/>
+      </p:par>
+    </p:tnLst>
+  </p:timing>
+</p:sld>
+</file>
+
+<file path=ppt/slides/slide11.xml><?xml version="1.0" encoding="utf-8"?>
+<p:sld xmlns:a="http://schemas.openxmlformats.org/drawingml/2006/main" xmlns:r="http://schemas.openxmlformats.org/officeDocument/2006/relationships" xmlns:p="http://schemas.openxmlformats.org/presentationml/2006/main" showMasterSp="0">
+  <p:cSld>
+    <p:spTree>
+      <p:nvGrpSpPr>
+        <p:cNvPr id="1" name=""/>
+        <p:cNvGrpSpPr/>
+        <p:nvPr/>
+      </p:nvGrpSpPr>
+      <p:grpSpPr>
+        <a:xfrm>
+          <a:off x="0" y="0"/>
+          <a:ext cx="0" cy="0"/>
+          <a:chOff x="0" y="0"/>
+          <a:chExt cx="0" cy="0"/>
+        </a:xfrm>
+      </p:grpSpPr>
+      <p:sp>
+        <p:nvSpPr>
+          <p:cNvPr id="2" name="object 2"/>
+          <p:cNvSpPr txBox="1">
+            <a:spLocks noGrp="1"/>
+          </p:cNvSpPr>
+          <p:nvPr>
+            <p:ph type="title"/>
+          </p:nvPr>
+        </p:nvSpPr>
+        <p:spPr>
+          <a:xfrm>
             <a:off x="2438400" y="533400"/>
             <a:ext cx="7315200" cy="473848"/>
           </a:xfrm>
@@ -7885,7 +8589,7 @@
 </p:sld>
 </file>
 
-<file path=ppt/slides/slide11.xml><?xml version="1.0" encoding="utf-8"?>
+<file path=ppt/slides/slide12.xml><?xml version="1.0" encoding="utf-8"?>
 <p:sld xmlns:a="http://schemas.openxmlformats.org/drawingml/2006/main" xmlns:r="http://schemas.openxmlformats.org/officeDocument/2006/relationships" xmlns:p="http://schemas.openxmlformats.org/presentationml/2006/main" showMasterSp="0">
   <p:cSld>
     <p:spTree>
@@ -8030,7 +8734,7 @@
 </p:sld>
 </file>
 
-<file path=ppt/slides/slide12.xml><?xml version="1.0" encoding="utf-8"?>
+<file path=ppt/slides/slide13.xml><?xml version="1.0" encoding="utf-8"?>
 <p:sld xmlns:a="http://schemas.openxmlformats.org/drawingml/2006/main" xmlns:r="http://schemas.openxmlformats.org/officeDocument/2006/relationships" xmlns:p="http://schemas.openxmlformats.org/presentationml/2006/main" showMasterSp="0">
   <p:cSld>
     <p:spTree>
@@ -8147,7 +8851,7 @@
 </p:sld>
 </file>
 
-<file path=ppt/slides/slide13.xml><?xml version="1.0" encoding="utf-8"?>
+<file path=ppt/slides/slide14.xml><?xml version="1.0" encoding="utf-8"?>
 <p:sld xmlns:a="http://schemas.openxmlformats.org/drawingml/2006/main" xmlns:r="http://schemas.openxmlformats.org/officeDocument/2006/relationships" xmlns:p="http://schemas.openxmlformats.org/presentationml/2006/main" showMasterSp="0">
   <p:cSld>
     <p:spTree>
@@ -8356,7 +9060,7 @@
 </p:sld>
 </file>
 
-<file path=ppt/slides/slide14.xml><?xml version="1.0" encoding="utf-8"?>
+<file path=ppt/slides/slide15.xml><?xml version="1.0" encoding="utf-8"?>
 <p:sld xmlns:a="http://schemas.openxmlformats.org/drawingml/2006/main" xmlns:r="http://schemas.openxmlformats.org/officeDocument/2006/relationships" xmlns:p="http://schemas.openxmlformats.org/presentationml/2006/main">
   <p:cSld>
     <p:spTree>
@@ -8895,7 +9599,21 @@
                 <a:latin typeface="Calibri" panose="020F0502020204030204" pitchFamily="34" charset="0"/>
                 <a:cs typeface="Calibri" panose="020F0502020204030204" pitchFamily="34" charset="0"/>
               </a:rPr>
-              <a:t>Students take the exam with different random questions and the results </a:t>
+              <a:t>Students take the exam with different random </a:t>
+            </a:r>
+            <a:r>
+              <a:rPr lang="en-US" sz="2000" dirty="0" smtClean="0">
+                <a:latin typeface="Calibri" panose="020F0502020204030204" pitchFamily="34" charset="0"/>
+                <a:cs typeface="Calibri" panose="020F0502020204030204" pitchFamily="34" charset="0"/>
+              </a:rPr>
+              <a:t>questions and options </a:t>
+            </a:r>
+            <a:r>
+              <a:rPr lang="en-US" sz="2000" dirty="0">
+                <a:latin typeface="Calibri" panose="020F0502020204030204" pitchFamily="34" charset="0"/>
+                <a:cs typeface="Calibri" panose="020F0502020204030204" pitchFamily="34" charset="0"/>
+              </a:rPr>
+              <a:t>and the results </a:t>
             </a:r>
             <a:r>
               <a:rPr lang="en-US" sz="2000" dirty="0" smtClean="0">
@@ -10017,6 +10735,123 @@
                 <a:latin typeface="Calibri" panose="020F0502020204030204" pitchFamily="34" charset="0"/>
                 <a:cs typeface="Calibri" panose="020F0502020204030204" pitchFamily="34" charset="0"/>
               </a:rPr>
+              <a:t>Show exam</a:t>
+            </a:r>
+            <a:endParaRPr sz="3000" spc="-15" dirty="0">
+              <a:solidFill>
+                <a:schemeClr val="accent2"/>
+              </a:solidFill>
+              <a:latin typeface="Calibri" panose="020F0502020204030204" pitchFamily="34" charset="0"/>
+              <a:cs typeface="Calibri" panose="020F0502020204030204" pitchFamily="34" charset="0"/>
+            </a:endParaRPr>
+          </a:p>
+        </p:txBody>
+      </p:sp>
+      <p:pic>
+        <p:nvPicPr>
+          <p:cNvPr id="5" name="Picture 4"/>
+          <p:cNvPicPr>
+            <a:picLocks noChangeAspect="1"/>
+          </p:cNvPicPr>
+          <p:nvPr/>
+        </p:nvPicPr>
+        <p:blipFill>
+          <a:blip r:embed="rId3">
+            <a:extLst>
+              <a:ext uri="{28A0092B-C50C-407E-A947-70E740481C1C}">
+                <a14:useLocalDpi xmlns:a14="http://schemas.microsoft.com/office/drawing/2010/main" val="0"/>
+              </a:ext>
+            </a:extLst>
+          </a:blip>
+          <a:stretch>
+            <a:fillRect/>
+          </a:stretch>
+        </p:blipFill>
+        <p:spPr>
+          <a:xfrm>
+            <a:off x="375077" y="1295400"/>
+            <a:ext cx="11441845" cy="5327608"/>
+          </a:xfrm>
+          <a:prstGeom prst="rect">
+            <a:avLst/>
+          </a:prstGeom>
+        </p:spPr>
+      </p:pic>
+    </p:spTree>
+    <p:extLst>
+      <p:ext uri="{BB962C8B-B14F-4D97-AF65-F5344CB8AC3E}">
+        <p14:creationId xmlns:p14="http://schemas.microsoft.com/office/powerpoint/2010/main" val="2897238656"/>
+      </p:ext>
+    </p:extLst>
+  </p:cSld>
+  <p:clrMapOvr>
+    <a:masterClrMapping/>
+  </p:clrMapOvr>
+  <p:timing>
+    <p:tnLst>
+      <p:par>
+        <p:cTn id="1" dur="indefinite" restart="never" nodeType="tmRoot"/>
+      </p:par>
+    </p:tnLst>
+  </p:timing>
+</p:sld>
+</file>
+
+<file path=ppt/slides/slide9.xml><?xml version="1.0" encoding="utf-8"?>
+<p:sld xmlns:a="http://schemas.openxmlformats.org/drawingml/2006/main" xmlns:r="http://schemas.openxmlformats.org/officeDocument/2006/relationships" xmlns:p="http://schemas.openxmlformats.org/presentationml/2006/main" showMasterSp="0">
+  <p:cSld>
+    <p:spTree>
+      <p:nvGrpSpPr>
+        <p:cNvPr id="1" name=""/>
+        <p:cNvGrpSpPr/>
+        <p:nvPr/>
+      </p:nvGrpSpPr>
+      <p:grpSpPr>
+        <a:xfrm>
+          <a:off x="0" y="0"/>
+          <a:ext cx="0" cy="0"/>
+          <a:chOff x="0" y="0"/>
+          <a:chExt cx="0" cy="0"/>
+        </a:xfrm>
+      </p:grpSpPr>
+      <p:sp>
+        <p:nvSpPr>
+          <p:cNvPr id="2" name="object 2"/>
+          <p:cNvSpPr txBox="1">
+            <a:spLocks noGrp="1"/>
+          </p:cNvSpPr>
+          <p:nvPr>
+            <p:ph type="title"/>
+          </p:nvPr>
+        </p:nvSpPr>
+        <p:spPr>
+          <a:xfrm>
+            <a:off x="2438400" y="533400"/>
+            <a:ext cx="7315200" cy="473848"/>
+          </a:xfrm>
+          <a:prstGeom prst="rect">
+            <a:avLst/>
+          </a:prstGeom>
+        </p:spPr>
+        <p:txBody>
+          <a:bodyPr vert="horz" wrap="square" lIns="0" tIns="12065" rIns="0" bIns="0" rtlCol="0" anchor="t">
+            <a:spAutoFit/>
+          </a:bodyPr>
+          <a:lstStyle/>
+          <a:p>
+            <a:pPr marL="12700" algn="ctr">
+              <a:spcBef>
+                <a:spcPts val="95"/>
+              </a:spcBef>
+            </a:pPr>
+            <a:r>
+              <a:rPr lang="en-US" sz="3000" spc="-20" dirty="0" smtClean="0">
+                <a:solidFill>
+                  <a:schemeClr val="accent2"/>
+                </a:solidFill>
+                <a:latin typeface="Calibri" panose="020F0502020204030204" pitchFamily="34" charset="0"/>
+                <a:cs typeface="Calibri" panose="020F0502020204030204" pitchFamily="34" charset="0"/>
+              </a:rPr>
               <a:t>Admin home</a:t>
             </a:r>
             <a:endParaRPr sz="3000" spc="-15" dirty="0">
@@ -10063,272 +10898,6 @@
     <p:extLst>
       <p:ext uri="{BB962C8B-B14F-4D97-AF65-F5344CB8AC3E}">
         <p14:creationId xmlns:p14="http://schemas.microsoft.com/office/powerpoint/2010/main" val="3572635435"/>
-      </p:ext>
-    </p:extLst>
-  </p:cSld>
-  <p:clrMapOvr>
-    <a:masterClrMapping/>
-  </p:clrMapOvr>
-  <p:timing>
-    <p:tnLst>
-      <p:par>
-        <p:cTn id="1" dur="indefinite" restart="never" nodeType="tmRoot"/>
-      </p:par>
-    </p:tnLst>
-  </p:timing>
-</p:sld>
-</file>
-
-<file path=ppt/slides/slide9.xml><?xml version="1.0" encoding="utf-8"?>
-<p:sld xmlns:a="http://schemas.openxmlformats.org/drawingml/2006/main" xmlns:r="http://schemas.openxmlformats.org/officeDocument/2006/relationships" xmlns:p="http://schemas.openxmlformats.org/presentationml/2006/main" showMasterSp="0">
-  <p:cSld>
-    <p:spTree>
-      <p:nvGrpSpPr>
-        <p:cNvPr id="1" name=""/>
-        <p:cNvGrpSpPr/>
-        <p:nvPr/>
-      </p:nvGrpSpPr>
-      <p:grpSpPr>
-        <a:xfrm>
-          <a:off x="0" y="0"/>
-          <a:ext cx="0" cy="0"/>
-          <a:chOff x="0" y="0"/>
-          <a:chExt cx="0" cy="0"/>
-        </a:xfrm>
-      </p:grpSpPr>
-      <p:sp>
-        <p:nvSpPr>
-          <p:cNvPr id="2" name="object 2"/>
-          <p:cNvSpPr txBox="1">
-            <a:spLocks noGrp="1"/>
-          </p:cNvSpPr>
-          <p:nvPr>
-            <p:ph type="title"/>
-          </p:nvPr>
-        </p:nvSpPr>
-        <p:spPr>
-          <a:xfrm>
-            <a:off x="6627300" y="601276"/>
-            <a:ext cx="5107499" cy="473848"/>
-          </a:xfrm>
-          <a:prstGeom prst="rect">
-            <a:avLst/>
-          </a:prstGeom>
-        </p:spPr>
-        <p:txBody>
-          <a:bodyPr vert="horz" wrap="square" lIns="0" tIns="12065" rIns="0" bIns="0" rtlCol="0" anchor="t">
-            <a:spAutoFit/>
-          </a:bodyPr>
-          <a:lstStyle/>
-          <a:p>
-            <a:pPr marL="12700" algn="ctr">
-              <a:spcBef>
-                <a:spcPts val="95"/>
-              </a:spcBef>
-            </a:pPr>
-            <a:r>
-              <a:rPr lang="en-US" sz="3000" spc="-20" dirty="0" smtClean="0">
-                <a:solidFill>
-                  <a:schemeClr val="accent2"/>
-                </a:solidFill>
-                <a:latin typeface="Calibri" panose="020F0502020204030204" pitchFamily="34" charset="0"/>
-                <a:cs typeface="Calibri" panose="020F0502020204030204" pitchFamily="34" charset="0"/>
-              </a:rPr>
-              <a:t>Add departments</a:t>
-            </a:r>
-            <a:endParaRPr sz="3000" spc="-15" dirty="0">
-              <a:solidFill>
-                <a:schemeClr val="accent2"/>
-              </a:solidFill>
-              <a:latin typeface="Calibri" panose="020F0502020204030204" pitchFamily="34" charset="0"/>
-              <a:cs typeface="Calibri" panose="020F0502020204030204" pitchFamily="34" charset="0"/>
-            </a:endParaRPr>
-          </a:p>
-        </p:txBody>
-      </p:sp>
-      <p:pic>
-        <p:nvPicPr>
-          <p:cNvPr id="3" name="Picture 2"/>
-          <p:cNvPicPr>
-            <a:picLocks noChangeAspect="1"/>
-          </p:cNvPicPr>
-          <p:nvPr/>
-        </p:nvPicPr>
-        <p:blipFill rotWithShape="1">
-          <a:blip r:embed="rId2">
-            <a:extLst>
-              <a:ext uri="{28A0092B-C50C-407E-A947-70E740481C1C}">
-                <a14:useLocalDpi xmlns:a14="http://schemas.microsoft.com/office/drawing/2010/main" val="0"/>
-              </a:ext>
-            </a:extLst>
-          </a:blip>
-          <a:srcRect l="27060" r="25419"/>
-          <a:stretch/>
-        </p:blipFill>
-        <p:spPr>
-          <a:xfrm>
-            <a:off x="609600" y="1143000"/>
-            <a:ext cx="5486401" cy="5327650"/>
-          </a:xfrm>
-          <a:prstGeom prst="rect">
-            <a:avLst/>
-          </a:prstGeom>
-        </p:spPr>
-      </p:pic>
-      <p:sp>
-        <p:nvSpPr>
-          <p:cNvPr id="5" name="object 2"/>
-          <p:cNvSpPr txBox="1">
-            <a:spLocks/>
-          </p:cNvSpPr>
-          <p:nvPr/>
-        </p:nvSpPr>
-        <p:spPr>
-          <a:xfrm>
-            <a:off x="609600" y="533400"/>
-            <a:ext cx="5486401" cy="473848"/>
-          </a:xfrm>
-          <a:prstGeom prst="rect">
-            <a:avLst/>
-          </a:prstGeom>
-        </p:spPr>
-        <p:txBody>
-          <a:bodyPr vert="horz" wrap="square" lIns="0" tIns="12065" rIns="0" bIns="0" rtlCol="0" anchor="t">
-            <a:spAutoFit/>
-          </a:bodyPr>
-          <a:lstStyle>
-            <a:lvl1pPr algn="l" defTabSz="457200" rtl="0" eaLnBrk="1" latinLnBrk="0" hangingPunct="1">
-              <a:spcBef>
-                <a:spcPct val="0"/>
-              </a:spcBef>
-              <a:buNone/>
-              <a:defRPr sz="3600" kern="1200">
-                <a:solidFill>
-                  <a:schemeClr val="accent2">
-                    <a:lumMod val="75000"/>
-                  </a:schemeClr>
-                </a:solidFill>
-                <a:latin typeface="+mj-lt"/>
-                <a:ea typeface="+mj-ea"/>
-                <a:cs typeface="+mj-cs"/>
-              </a:defRPr>
-            </a:lvl1pPr>
-            <a:lvl2pPr eaLnBrk="1" hangingPunct="1">
-              <a:defRPr>
-                <a:solidFill>
-                  <a:schemeClr val="tx2"/>
-                </a:solidFill>
-              </a:defRPr>
-            </a:lvl2pPr>
-            <a:lvl3pPr eaLnBrk="1" hangingPunct="1">
-              <a:defRPr>
-                <a:solidFill>
-                  <a:schemeClr val="tx2"/>
-                </a:solidFill>
-              </a:defRPr>
-            </a:lvl3pPr>
-            <a:lvl4pPr eaLnBrk="1" hangingPunct="1">
-              <a:defRPr>
-                <a:solidFill>
-                  <a:schemeClr val="tx2"/>
-                </a:solidFill>
-              </a:defRPr>
-            </a:lvl4pPr>
-            <a:lvl5pPr eaLnBrk="1" hangingPunct="1">
-              <a:defRPr>
-                <a:solidFill>
-                  <a:schemeClr val="tx2"/>
-                </a:solidFill>
-              </a:defRPr>
-            </a:lvl5pPr>
-            <a:lvl6pPr eaLnBrk="1" hangingPunct="1">
-              <a:defRPr>
-                <a:solidFill>
-                  <a:schemeClr val="tx2"/>
-                </a:solidFill>
-              </a:defRPr>
-            </a:lvl6pPr>
-            <a:lvl7pPr eaLnBrk="1" hangingPunct="1">
-              <a:defRPr>
-                <a:solidFill>
-                  <a:schemeClr val="tx2"/>
-                </a:solidFill>
-              </a:defRPr>
-            </a:lvl7pPr>
-            <a:lvl8pPr eaLnBrk="1" hangingPunct="1">
-              <a:defRPr>
-                <a:solidFill>
-                  <a:schemeClr val="tx2"/>
-                </a:solidFill>
-              </a:defRPr>
-            </a:lvl8pPr>
-            <a:lvl9pPr eaLnBrk="1" hangingPunct="1">
-              <a:defRPr>
-                <a:solidFill>
-                  <a:schemeClr val="tx2"/>
-                </a:solidFill>
-              </a:defRPr>
-            </a:lvl9pPr>
-          </a:lstStyle>
-          <a:p>
-            <a:pPr marL="12700" algn="ctr">
-              <a:spcBef>
-                <a:spcPts val="95"/>
-              </a:spcBef>
-            </a:pPr>
-            <a:r>
-              <a:rPr lang="en-US" sz="3000" spc="-20" dirty="0" smtClean="0">
-                <a:solidFill>
-                  <a:schemeClr val="accent2"/>
-                </a:solidFill>
-                <a:latin typeface="Calibri" panose="020F0502020204030204" pitchFamily="34" charset="0"/>
-                <a:cs typeface="Calibri" panose="020F0502020204030204" pitchFamily="34" charset="0"/>
-              </a:rPr>
-              <a:t>Add subjects</a:t>
-            </a:r>
-            <a:endParaRPr lang="en-US" sz="3000" spc="-15" dirty="0">
-              <a:solidFill>
-                <a:schemeClr val="accent2"/>
-              </a:solidFill>
-              <a:latin typeface="Calibri" panose="020F0502020204030204" pitchFamily="34" charset="0"/>
-              <a:cs typeface="Calibri" panose="020F0502020204030204" pitchFamily="34" charset="0"/>
-            </a:endParaRPr>
-          </a:p>
-        </p:txBody>
-      </p:sp>
-      <p:pic>
-        <p:nvPicPr>
-          <p:cNvPr id="6" name="Picture 5"/>
-          <p:cNvPicPr>
-            <a:picLocks noChangeAspect="1"/>
-          </p:cNvPicPr>
-          <p:nvPr/>
-        </p:nvPicPr>
-        <p:blipFill rotWithShape="1">
-          <a:blip r:embed="rId3">
-            <a:extLst>
-              <a:ext uri="{28A0092B-C50C-407E-A947-70E740481C1C}">
-                <a14:useLocalDpi xmlns:a14="http://schemas.microsoft.com/office/drawing/2010/main" val="0"/>
-              </a:ext>
-            </a:extLst>
-          </a:blip>
-          <a:srcRect l="28031" r="28030"/>
-          <a:stretch/>
-        </p:blipFill>
-        <p:spPr>
-          <a:xfrm>
-            <a:off x="6627301" y="1143000"/>
-            <a:ext cx="5107499" cy="5327650"/>
-          </a:xfrm>
-          <a:prstGeom prst="rect">
-            <a:avLst/>
-          </a:prstGeom>
-        </p:spPr>
-      </p:pic>
-    </p:spTree>
-    <p:extLst>
-      <p:ext uri="{BB962C8B-B14F-4D97-AF65-F5344CB8AC3E}">
-        <p14:creationId xmlns:p14="http://schemas.microsoft.com/office/powerpoint/2010/main" val="2357818156"/>
       </p:ext>
     </p:extLst>
   </p:cSld>
@@ -10586,4 +11155,265 @@
     </a:ext>
   </a:extLst>
 </a:theme>
+</file>
+
+<file path=ppt/theme/theme2.xml><?xml version="1.0" encoding="utf-8"?>
+<a:theme xmlns:a="http://schemas.openxmlformats.org/drawingml/2006/main" name="Office Theme">
+  <a:themeElements>
+    <a:clrScheme name="Office">
+      <a:dk1>
+        <a:sysClr val="windowText" lastClr="000000"/>
+      </a:dk1>
+      <a:lt1>
+        <a:sysClr val="window" lastClr="FFFFFF"/>
+      </a:lt1>
+      <a:dk2>
+        <a:srgbClr val="44546A"/>
+      </a:dk2>
+      <a:lt2>
+        <a:srgbClr val="E7E6E6"/>
+      </a:lt2>
+      <a:accent1>
+        <a:srgbClr val="5B9BD5"/>
+      </a:accent1>
+      <a:accent2>
+        <a:srgbClr val="ED7D31"/>
+      </a:accent2>
+      <a:accent3>
+        <a:srgbClr val="A5A5A5"/>
+      </a:accent3>
+      <a:accent4>
+        <a:srgbClr val="FFC000"/>
+      </a:accent4>
+      <a:accent5>
+        <a:srgbClr val="4472C4"/>
+      </a:accent5>
+      <a:accent6>
+        <a:srgbClr val="70AD47"/>
+      </a:accent6>
+      <a:hlink>
+        <a:srgbClr val="0563C1"/>
+      </a:hlink>
+      <a:folHlink>
+        <a:srgbClr val="954F72"/>
+      </a:folHlink>
+    </a:clrScheme>
+    <a:fontScheme name="Office">
+      <a:majorFont>
+        <a:latin typeface="Calibri Light" panose="020F0302020204030204"/>
+        <a:ea typeface=""/>
+        <a:cs typeface=""/>
+        <a:font script="Jpan" typeface="游ゴシック Light"/>
+        <a:font script="Hang" typeface="맑은 고딕"/>
+        <a:font script="Hans" typeface="等线 Light"/>
+        <a:font script="Hant" typeface="新細明體"/>
+        <a:font script="Arab" typeface="Times New Roman"/>
+        <a:font script="Hebr" typeface="Times New Roman"/>
+        <a:font script="Thai" typeface="Angsana New"/>
+        <a:font script="Ethi" typeface="Nyala"/>
+        <a:font script="Beng" typeface="Vrinda"/>
+        <a:font script="Gujr" typeface="Shruti"/>
+        <a:font script="Khmr" typeface="MoolBoran"/>
+        <a:font script="Knda" typeface="Tunga"/>
+        <a:font script="Guru" typeface="Raavi"/>
+        <a:font script="Cans" typeface="Euphemia"/>
+        <a:font script="Cher" typeface="Plantagenet Cherokee"/>
+        <a:font script="Yiii" typeface="Microsoft Yi Baiti"/>
+        <a:font script="Tibt" typeface="Microsoft Himalaya"/>
+        <a:font script="Thaa" typeface="MV Boli"/>
+        <a:font script="Deva" typeface="Mangal"/>
+        <a:font script="Telu" typeface="Gautami"/>
+        <a:font script="Taml" typeface="Latha"/>
+        <a:font script="Syrc" typeface="Estrangelo Edessa"/>
+        <a:font script="Orya" typeface="Kalinga"/>
+        <a:font script="Mlym" typeface="Kartika"/>
+        <a:font script="Laoo" typeface="DokChampa"/>
+        <a:font script="Sinh" typeface="Iskoola Pota"/>
+        <a:font script="Mong" typeface="Mongolian Baiti"/>
+        <a:font script="Viet" typeface="Times New Roman"/>
+        <a:font script="Uigh" typeface="Microsoft Uighur"/>
+        <a:font script="Geor" typeface="Sylfaen"/>
+      </a:majorFont>
+      <a:minorFont>
+        <a:latin typeface="Calibri" panose="020F0502020204030204"/>
+        <a:ea typeface=""/>
+        <a:cs typeface=""/>
+        <a:font script="Jpan" typeface="游ゴシック"/>
+        <a:font script="Hang" typeface="맑은 고딕"/>
+        <a:font script="Hans" typeface="等线"/>
+        <a:font script="Hant" typeface="新細明體"/>
+        <a:font script="Arab" typeface="Arial"/>
+        <a:font script="Hebr" typeface="Arial"/>
+        <a:font script="Thai" typeface="Cordia New"/>
+        <a:font script="Ethi" typeface="Nyala"/>
+        <a:font script="Beng" typeface="Vrinda"/>
+        <a:font script="Gujr" typeface="Shruti"/>
+        <a:font script="Khmr" typeface="DaunPenh"/>
+        <a:font script="Knda" typeface="Tunga"/>
+        <a:font script="Guru" typeface="Raavi"/>
+        <a:font script="Cans" typeface="Euphemia"/>
+        <a:font script="Cher" typeface="Plantagenet Cherokee"/>
+        <a:font script="Yiii" typeface="Microsoft Yi Baiti"/>
+        <a:font script="Tibt" typeface="Microsoft Himalaya"/>
+        <a:font script="Thaa" typeface="MV Boli"/>
+        <a:font script="Deva" typeface="Mangal"/>
+        <a:font script="Telu" typeface="Gautami"/>
+        <a:font script="Taml" typeface="Latha"/>
+        <a:font script="Syrc" typeface="Estrangelo Edessa"/>
+        <a:font script="Orya" typeface="Kalinga"/>
+        <a:font script="Mlym" typeface="Kartika"/>
+        <a:font script="Laoo" typeface="DokChampa"/>
+        <a:font script="Sinh" typeface="Iskoola Pota"/>
+        <a:font script="Mong" typeface="Mongolian Baiti"/>
+        <a:font script="Viet" typeface="Arial"/>
+        <a:font script="Uigh" typeface="Microsoft Uighur"/>
+        <a:font script="Geor" typeface="Sylfaen"/>
+      </a:minorFont>
+    </a:fontScheme>
+    <a:fmtScheme name="Office">
+      <a:fillStyleLst>
+        <a:solidFill>
+          <a:schemeClr val="phClr"/>
+        </a:solidFill>
+        <a:gradFill rotWithShape="1">
+          <a:gsLst>
+            <a:gs pos="0">
+              <a:schemeClr val="phClr">
+                <a:lumMod val="110000"/>
+                <a:satMod val="105000"/>
+                <a:tint val="67000"/>
+              </a:schemeClr>
+            </a:gs>
+            <a:gs pos="50000">
+              <a:schemeClr val="phClr">
+                <a:lumMod val="105000"/>
+                <a:satMod val="103000"/>
+                <a:tint val="73000"/>
+              </a:schemeClr>
+            </a:gs>
+            <a:gs pos="100000">
+              <a:schemeClr val="phClr">
+                <a:lumMod val="105000"/>
+                <a:satMod val="109000"/>
+                <a:tint val="81000"/>
+              </a:schemeClr>
+            </a:gs>
+          </a:gsLst>
+          <a:lin ang="5400000" scaled="0"/>
+        </a:gradFill>
+        <a:gradFill rotWithShape="1">
+          <a:gsLst>
+            <a:gs pos="0">
+              <a:schemeClr val="phClr">
+                <a:satMod val="103000"/>
+                <a:lumMod val="102000"/>
+                <a:tint val="94000"/>
+              </a:schemeClr>
+            </a:gs>
+            <a:gs pos="50000">
+              <a:schemeClr val="phClr">
+                <a:satMod val="110000"/>
+                <a:lumMod val="100000"/>
+                <a:shade val="100000"/>
+              </a:schemeClr>
+            </a:gs>
+            <a:gs pos="100000">
+              <a:schemeClr val="phClr">
+                <a:lumMod val="99000"/>
+                <a:satMod val="120000"/>
+                <a:shade val="78000"/>
+              </a:schemeClr>
+            </a:gs>
+          </a:gsLst>
+          <a:lin ang="5400000" scaled="0"/>
+        </a:gradFill>
+      </a:fillStyleLst>
+      <a:lnStyleLst>
+        <a:ln w="6350" cap="flat" cmpd="sng" algn="ctr">
+          <a:solidFill>
+            <a:schemeClr val="phClr"/>
+          </a:solidFill>
+          <a:prstDash val="solid"/>
+          <a:miter lim="800000"/>
+        </a:ln>
+        <a:ln w="12700" cap="flat" cmpd="sng" algn="ctr">
+          <a:solidFill>
+            <a:schemeClr val="phClr"/>
+          </a:solidFill>
+          <a:prstDash val="solid"/>
+          <a:miter lim="800000"/>
+        </a:ln>
+        <a:ln w="19050" cap="flat" cmpd="sng" algn="ctr">
+          <a:solidFill>
+            <a:schemeClr val="phClr"/>
+          </a:solidFill>
+          <a:prstDash val="solid"/>
+          <a:miter lim="800000"/>
+        </a:ln>
+      </a:lnStyleLst>
+      <a:effectStyleLst>
+        <a:effectStyle>
+          <a:effectLst/>
+        </a:effectStyle>
+        <a:effectStyle>
+          <a:effectLst/>
+        </a:effectStyle>
+        <a:effectStyle>
+          <a:effectLst>
+            <a:outerShdw blurRad="57150" dist="19050" dir="5400000" algn="ctr" rotWithShape="0">
+              <a:srgbClr val="000000">
+                <a:alpha val="63000"/>
+              </a:srgbClr>
+            </a:outerShdw>
+          </a:effectLst>
+        </a:effectStyle>
+      </a:effectStyleLst>
+      <a:bgFillStyleLst>
+        <a:solidFill>
+          <a:schemeClr val="phClr"/>
+        </a:solidFill>
+        <a:solidFill>
+          <a:schemeClr val="phClr">
+            <a:tint val="95000"/>
+            <a:satMod val="170000"/>
+          </a:schemeClr>
+        </a:solidFill>
+        <a:gradFill rotWithShape="1">
+          <a:gsLst>
+            <a:gs pos="0">
+              <a:schemeClr val="phClr">
+                <a:tint val="93000"/>
+                <a:satMod val="150000"/>
+                <a:shade val="98000"/>
+                <a:lumMod val="102000"/>
+              </a:schemeClr>
+            </a:gs>
+            <a:gs pos="50000">
+              <a:schemeClr val="phClr">
+                <a:tint val="98000"/>
+                <a:satMod val="130000"/>
+                <a:shade val="90000"/>
+                <a:lumMod val="103000"/>
+              </a:schemeClr>
+            </a:gs>
+            <a:gs pos="100000">
+              <a:schemeClr val="phClr">
+                <a:shade val="63000"/>
+                <a:satMod val="120000"/>
+              </a:schemeClr>
+            </a:gs>
+          </a:gsLst>
+          <a:lin ang="5400000" scaled="0"/>
+        </a:gradFill>
+      </a:bgFillStyleLst>
+    </a:fmtScheme>
+  </a:themeElements>
+  <a:objectDefaults/>
+  <a:extraClrSchemeLst/>
+  <a:extLst>
+    <a:ext uri="{05A4C25C-085E-4340-85A3-A5531E510DB2}">
+      <thm15:themeFamily xmlns:thm15="http://schemas.microsoft.com/office/thememl/2012/main" name="Office Theme" id="{62F939B6-93AF-4DB8-9C6B-D6C7DFDC589F}" vid="{4A3C46E8-61CC-4603-A589-7422A47A8E4A}"/>
+    </a:ext>
+  </a:extLst>
+</a:theme>
 </file>